--- a/실무회의 및 단장미팅 발표자료/251127 사업단장 미팅자료 - 진명.pptx
+++ b/실무회의 및 단장미팅 발표자료/251127 사업단장 미팅자료 - 진명.pptx
@@ -14,7 +14,7 @@
     <p:sldId id="1203" r:id="rId2"/>
   </p:sldIdLst>
   <p:sldSz cx="9906000" cy="6858000" type="A4"/>
-  <p:notesSz cx="9926638" cy="6797675"/>
+  <p:notesSz cx="9866313" cy="6735763"/>
   <p:defaultTextStyle>
     <a:defPPr>
       <a:defRPr lang="ko-KR"/>
@@ -127,12 +127,12 @@
     </p:ext>
     <p:ext uri="{2D200454-40CA-4A62-9FC3-DE9A4176ACB9}">
       <p15:notesGuideLst xmlns:p15="http://schemas.microsoft.com/office/powerpoint/2012/main">
-        <p15:guide id="1" orient="horz" pos="2141" userDrawn="1">
+        <p15:guide id="1" orient="horz" pos="2122" userDrawn="1">
           <p15:clr>
             <a:srgbClr val="A4A3A4"/>
           </p15:clr>
         </p15:guide>
-        <p15:guide id="2" pos="3128" userDrawn="1">
+        <p15:guide id="2" pos="3109" userDrawn="1">
           <p15:clr>
             <a:srgbClr val="A4A3A4"/>
           </p15:clr>
@@ -650,15 +650,15 @@
         </p:nvSpPr>
         <p:spPr>
           <a:xfrm>
-            <a:off x="3" y="0"/>
-            <a:ext cx="4301543" cy="339884"/>
+            <a:off x="4" y="0"/>
+            <a:ext cx="4275402" cy="336788"/>
           </a:xfrm>
           <a:prstGeom prst="rect">
             <a:avLst/>
           </a:prstGeom>
         </p:spPr>
         <p:txBody>
-          <a:bodyPr vert="horz" lIns="91422" tIns="45711" rIns="91422" bIns="45711" rtlCol="0"/>
+          <a:bodyPr vert="horz" lIns="90745" tIns="45373" rIns="90745" bIns="45373" rtlCol="0"/>
           <a:lstStyle>
             <a:lvl1pPr algn="l">
               <a:defRPr sz="1200"/>
@@ -681,15 +681,15 @@
         </p:nvSpPr>
         <p:spPr>
           <a:xfrm>
-            <a:off x="5622801" y="0"/>
-            <a:ext cx="4301543" cy="339884"/>
+            <a:off x="5588631" y="0"/>
+            <a:ext cx="4275402" cy="336788"/>
           </a:xfrm>
           <a:prstGeom prst="rect">
             <a:avLst/>
           </a:prstGeom>
         </p:spPr>
         <p:txBody>
-          <a:bodyPr vert="horz" lIns="91422" tIns="45711" rIns="91422" bIns="45711" rtlCol="0"/>
+          <a:bodyPr vert="horz" lIns="90745" tIns="45373" rIns="90745" bIns="45373" rtlCol="0"/>
           <a:lstStyle>
             <a:lvl1pPr algn="r">
               <a:defRPr sz="1200"/>
@@ -699,7 +699,7 @@
             <a:fld id="{3CD2ACDA-7BB5-4D83-9D1E-40BA6ED2D672}" type="datetimeFigureOut">
               <a:rPr lang="ko-KR" altLang="en-US" smtClean="0"/>
               <a:pPr/>
-              <a:t>2025-11-26</a:t>
+              <a:t>2025-11-27</a:t>
             </a:fld>
             <a:endParaRPr lang="ko-KR" altLang="en-US"/>
           </a:p>
@@ -717,15 +717,15 @@
         </p:nvSpPr>
         <p:spPr>
           <a:xfrm>
-            <a:off x="3" y="6456611"/>
-            <a:ext cx="4301543" cy="339884"/>
+            <a:off x="4" y="6397806"/>
+            <a:ext cx="4275402" cy="336788"/>
           </a:xfrm>
           <a:prstGeom prst="rect">
             <a:avLst/>
           </a:prstGeom>
         </p:spPr>
         <p:txBody>
-          <a:bodyPr vert="horz" lIns="91422" tIns="45711" rIns="91422" bIns="45711" rtlCol="0" anchor="b"/>
+          <a:bodyPr vert="horz" lIns="90745" tIns="45373" rIns="90745" bIns="45373" rtlCol="0" anchor="b"/>
           <a:lstStyle>
             <a:lvl1pPr algn="l">
               <a:defRPr sz="1200"/>
@@ -748,15 +748,15 @@
         </p:nvSpPr>
         <p:spPr>
           <a:xfrm>
-            <a:off x="5622801" y="6456611"/>
-            <a:ext cx="4301543" cy="339884"/>
+            <a:off x="5588631" y="6397806"/>
+            <a:ext cx="4275402" cy="336788"/>
           </a:xfrm>
           <a:prstGeom prst="rect">
             <a:avLst/>
           </a:prstGeom>
         </p:spPr>
         <p:txBody>
-          <a:bodyPr vert="horz" lIns="91422" tIns="45711" rIns="91422" bIns="45711" rtlCol="0" anchor="b"/>
+          <a:bodyPr vert="horz" lIns="90745" tIns="45373" rIns="90745" bIns="45373" rtlCol="0" anchor="b"/>
           <a:lstStyle>
             <a:lvl1pPr algn="r">
               <a:defRPr sz="1200"/>
@@ -817,15 +817,15 @@
         </p:nvSpPr>
         <p:spPr>
           <a:xfrm>
-            <a:off x="3" y="1"/>
-            <a:ext cx="4301543" cy="341064"/>
+            <a:off x="4" y="1"/>
+            <a:ext cx="4275402" cy="337958"/>
           </a:xfrm>
           <a:prstGeom prst="rect">
             <a:avLst/>
           </a:prstGeom>
         </p:spPr>
         <p:txBody>
-          <a:bodyPr vert="horz" lIns="91422" tIns="45711" rIns="91422" bIns="45711" rtlCol="0"/>
+          <a:bodyPr vert="horz" lIns="90745" tIns="45373" rIns="90745" bIns="45373" rtlCol="0"/>
           <a:lstStyle>
             <a:lvl1pPr algn="l">
               <a:defRPr sz="1200"/>
@@ -848,15 +848,15 @@
         </p:nvSpPr>
         <p:spPr>
           <a:xfrm>
-            <a:off x="5622801" y="1"/>
-            <a:ext cx="4301543" cy="341064"/>
+            <a:off x="5588631" y="1"/>
+            <a:ext cx="4275402" cy="337958"/>
           </a:xfrm>
           <a:prstGeom prst="rect">
             <a:avLst/>
           </a:prstGeom>
         </p:spPr>
         <p:txBody>
-          <a:bodyPr vert="horz" lIns="91422" tIns="45711" rIns="91422" bIns="45711" rtlCol="0"/>
+          <a:bodyPr vert="horz" lIns="90745" tIns="45373" rIns="90745" bIns="45373" rtlCol="0"/>
           <a:lstStyle>
             <a:lvl1pPr algn="r">
               <a:defRPr sz="1200"/>
@@ -866,7 +866,7 @@
             <a:fld id="{1932AF9E-6075-47ED-A5F2-B86042DA2162}" type="datetimeFigureOut">
               <a:rPr lang="ko-KR" altLang="en-US" smtClean="0"/>
               <a:pPr/>
-              <a:t>2025-11-26</a:t>
+              <a:t>2025-11-27</a:t>
             </a:fld>
             <a:endParaRPr lang="ko-KR" altLang="en-US"/>
           </a:p>
@@ -884,8 +884,8 @@
         </p:nvSpPr>
         <p:spPr>
           <a:xfrm>
-            <a:off x="3308350" y="850900"/>
-            <a:ext cx="3309938" cy="2292350"/>
+            <a:off x="3292475" y="842963"/>
+            <a:ext cx="3281363" cy="2271712"/>
           </a:xfrm>
           <a:prstGeom prst="rect">
             <a:avLst/>
@@ -898,7 +898,7 @@
           </a:ln>
         </p:spPr>
         <p:txBody>
-          <a:bodyPr vert="horz" lIns="91422" tIns="45711" rIns="91422" bIns="45711" rtlCol="0" anchor="ctr"/>
+          <a:bodyPr vert="horz" lIns="90745" tIns="45373" rIns="90745" bIns="45373" rtlCol="0" anchor="ctr"/>
           <a:lstStyle/>
           <a:p>
             <a:endParaRPr lang="ko-KR" altLang="en-US"/>
@@ -917,15 +917,15 @@
         </p:nvSpPr>
         <p:spPr>
           <a:xfrm>
-            <a:off x="992666" y="3271386"/>
-            <a:ext cx="7941310" cy="2676585"/>
+            <a:off x="986633" y="3241591"/>
+            <a:ext cx="7893050" cy="2652207"/>
           </a:xfrm>
           <a:prstGeom prst="rect">
             <a:avLst/>
           </a:prstGeom>
         </p:spPr>
         <p:txBody>
-          <a:bodyPr vert="horz" lIns="91422" tIns="45711" rIns="91422" bIns="45711" rtlCol="0"/>
+          <a:bodyPr vert="horz" lIns="90745" tIns="45373" rIns="90745" bIns="45373" rtlCol="0"/>
           <a:lstStyle/>
           <a:p>
             <a:pPr lvl="0"/>
@@ -976,15 +976,15 @@
         </p:nvSpPr>
         <p:spPr>
           <a:xfrm>
-            <a:off x="3" y="6456612"/>
-            <a:ext cx="4301543" cy="341064"/>
+            <a:off x="4" y="6397806"/>
+            <a:ext cx="4275402" cy="337958"/>
           </a:xfrm>
           <a:prstGeom prst="rect">
             <a:avLst/>
           </a:prstGeom>
         </p:spPr>
         <p:txBody>
-          <a:bodyPr vert="horz" lIns="91422" tIns="45711" rIns="91422" bIns="45711" rtlCol="0" anchor="b"/>
+          <a:bodyPr vert="horz" lIns="90745" tIns="45373" rIns="90745" bIns="45373" rtlCol="0" anchor="b"/>
           <a:lstStyle>
             <a:lvl1pPr algn="l">
               <a:defRPr sz="1200"/>
@@ -1007,15 +1007,15 @@
         </p:nvSpPr>
         <p:spPr>
           <a:xfrm>
-            <a:off x="5622801" y="6456612"/>
-            <a:ext cx="4301543" cy="341064"/>
+            <a:off x="5588631" y="6397806"/>
+            <a:ext cx="4275402" cy="337958"/>
           </a:xfrm>
           <a:prstGeom prst="rect">
             <a:avLst/>
           </a:prstGeom>
         </p:spPr>
         <p:txBody>
-          <a:bodyPr vert="horz" lIns="91422" tIns="45711" rIns="91422" bIns="45711" rtlCol="0" anchor="b"/>
+          <a:bodyPr vert="horz" lIns="90745" tIns="45373" rIns="90745" bIns="45373" rtlCol="0" anchor="b"/>
           <a:lstStyle>
             <a:lvl1pPr algn="r">
               <a:defRPr sz="1200"/>
